--- a/Curso 2/Inlgés técnico/Prácticas/Práctica 2/Exposition 1.12.2023.pptx
+++ b/Curso 2/Inlgés técnico/Prácticas/Práctica 2/Exposition 1.12.2023.pptx
@@ -20,22 +20,23 @@
     <p:sldId id="265" r:id="rId15"/>
     <p:sldId id="266" r:id="rId16"/>
     <p:sldId id="267" r:id="rId17"/>
+    <p:sldId id="268" r:id="rId18"/>
   </p:sldIdLst>
   <p:sldSz cy="5143500" cx="9144000"/>
   <p:notesSz cx="6858000" cy="9144000"/>
   <p:embeddedFontLst>
     <p:embeddedFont>
       <p:font typeface="Roboto"/>
-      <p:regular r:id="rId18"/>
-      <p:bold r:id="rId19"/>
-      <p:italic r:id="rId20"/>
-      <p:boldItalic r:id="rId21"/>
+      <p:regular r:id="rId19"/>
+      <p:bold r:id="rId20"/>
+      <p:italic r:id="rId21"/>
+      <p:boldItalic r:id="rId22"/>
     </p:embeddedFont>
     <p:embeddedFont>
       <p:font typeface="Old Standard TT"/>
-      <p:regular r:id="rId22"/>
-      <p:bold r:id="rId23"/>
-      <p:italic r:id="rId24"/>
+      <p:regular r:id="rId23"/>
+      <p:bold r:id="rId24"/>
+      <p:italic r:id="rId25"/>
     </p:embeddedFont>
   </p:embeddedFontLst>
   <p:defaultTextStyle>
@@ -830,7 +831,7 @@
       </p:grpSpPr>
       <p:sp>
         <p:nvSpPr>
-          <p:cNvPr id="114" name="Google Shape;114;g2a0db5a08c1_0_29:notes"/>
+          <p:cNvPr id="114" name="Google Shape;114;g2a0db5a08c1_0_34:notes"/>
           <p:cNvSpPr/>
           <p:nvPr>
             <p:ph idx="2" type="sldImg"/>
@@ -865,7 +866,7 @@
       </p:sp>
       <p:sp>
         <p:nvSpPr>
-          <p:cNvPr id="115" name="Google Shape;115;g2a0db5a08c1_0_29:notes"/>
+          <p:cNvPr id="115" name="Google Shape;115;g2a0db5a08c1_0_34:notes"/>
           <p:cNvSpPr txBox="1"/>
           <p:nvPr>
             <p:ph idx="1" type="body"/>
@@ -915,7 +916,7 @@
   <p:cSld>
     <p:spTree>
       <p:nvGrpSpPr>
-        <p:cNvPr id="119" name="Shape 119"/>
+        <p:cNvPr id="118" name="Shape 118"/>
         <p:cNvGrpSpPr/>
         <p:nvPr/>
       </p:nvGrpSpPr>
@@ -929,7 +930,7 @@
       </p:grpSpPr>
       <p:sp>
         <p:nvSpPr>
-          <p:cNvPr id="120" name="Google Shape;120;g2a0db5a08c1_0_17:notes"/>
+          <p:cNvPr id="119" name="Google Shape;119;g2a0db5a08c1_0_29:notes"/>
           <p:cNvSpPr/>
           <p:nvPr>
             <p:ph idx="2" type="sldImg"/>
@@ -964,7 +965,7 @@
       </p:sp>
       <p:sp>
         <p:nvSpPr>
-          <p:cNvPr id="121" name="Google Shape;121;g2a0db5a08c1_0_17:notes"/>
+          <p:cNvPr id="120" name="Google Shape;120;g2a0db5a08c1_0_29:notes"/>
           <p:cNvSpPr txBox="1"/>
           <p:nvPr>
             <p:ph idx="1" type="body"/>
@@ -1014,7 +1015,7 @@
   <p:cSld>
     <p:spTree>
       <p:nvGrpSpPr>
-        <p:cNvPr id="125" name="Shape 125"/>
+        <p:cNvPr id="124" name="Shape 124"/>
         <p:cNvGrpSpPr/>
         <p:nvPr/>
       </p:nvGrpSpPr>
@@ -1028,7 +1029,7 @@
       </p:grpSpPr>
       <p:sp>
         <p:nvSpPr>
-          <p:cNvPr id="126" name="Google Shape;126;g2a0db5a08c1_0_22:notes"/>
+          <p:cNvPr id="125" name="Google Shape;125;g2a0db5a08c1_0_17:notes"/>
           <p:cNvSpPr/>
           <p:nvPr>
             <p:ph idx="2" type="sldImg"/>
@@ -1063,7 +1064,106 @@
       </p:sp>
       <p:sp>
         <p:nvSpPr>
-          <p:cNvPr id="127" name="Google Shape;127;g2a0db5a08c1_0_22:notes"/>
+          <p:cNvPr id="126" name="Google Shape;126;g2a0db5a08c1_0_17:notes"/>
+          <p:cNvSpPr txBox="1"/>
+          <p:nvPr>
+            <p:ph idx="1" type="body"/>
+          </p:nvPr>
+        </p:nvSpPr>
+        <p:spPr>
+          <a:xfrm>
+            <a:off x="685800" y="4343400"/>
+            <a:ext cx="5486400" cy="4114800"/>
+          </a:xfrm>
+          <a:prstGeom prst="rect">
+            <a:avLst/>
+          </a:prstGeom>
+        </p:spPr>
+        <p:txBody>
+          <a:bodyPr anchorCtr="0" anchor="t" bIns="91425" lIns="91425" spcFirstLastPara="1" rIns="91425" wrap="square" tIns="91425">
+            <a:noAutofit/>
+          </a:bodyPr>
+          <a:lstStyle/>
+          <a:p>
+            <a:pPr indent="0" lvl="0" marL="0" rtl="0" algn="l">
+              <a:spcBef>
+                <a:spcPts val="0"/>
+              </a:spcBef>
+              <a:spcAft>
+                <a:spcPts val="0"/>
+              </a:spcAft>
+              <a:buNone/>
+            </a:pPr>
+            <a:r>
+              <a:t/>
+            </a:r>
+            <a:endParaRPr/>
+          </a:p>
+        </p:txBody>
+      </p:sp>
+    </p:spTree>
+  </p:cSld>
+  <p:clrMapOvr>
+    <a:masterClrMapping/>
+  </p:clrMapOvr>
+</p:notes>
+</file>
+
+<file path=ppt/notesSlides/notesSlide13.xml><?xml version="1.0" encoding="utf-8"?>
+<p:notes xmlns:a="http://schemas.openxmlformats.org/drawingml/2006/main" xmlns:r="http://schemas.openxmlformats.org/officeDocument/2006/relationships" xmlns:mc="http://schemas.openxmlformats.org/markup-compatibility/2006" xmlns:mv="urn:schemas-microsoft-com:mac:vml" xmlns:p="http://schemas.openxmlformats.org/presentationml/2006/main" xmlns:c="http://schemas.openxmlformats.org/drawingml/2006/chart" xmlns:dgm="http://schemas.openxmlformats.org/drawingml/2006/diagram" xmlns:o="urn:schemas-microsoft-com:office:office" xmlns:v="urn:schemas-microsoft-com:vml" xmlns:pvml="urn:schemas-microsoft-com:office:powerpoint" xmlns:com="http://schemas.openxmlformats.org/drawingml/2006/compatibility" xmlns:p14="http://schemas.microsoft.com/office/powerpoint/2010/main" xmlns:p15="http://schemas.microsoft.com/office/powerpoint/2012/main" xmlns:ahyp="http://schemas.microsoft.com/office/drawing/2018/hyperlinkcolor" showMasterPhAnim="0" showMasterSp="0">
+  <p:cSld>
+    <p:spTree>
+      <p:nvGrpSpPr>
+        <p:cNvPr id="130" name="Shape 130"/>
+        <p:cNvGrpSpPr/>
+        <p:nvPr/>
+      </p:nvGrpSpPr>
+      <p:grpSpPr>
+        <a:xfrm>
+          <a:off x="0" y="0"/>
+          <a:ext cx="0" cy="0"/>
+          <a:chOff x="0" y="0"/>
+          <a:chExt cx="0" cy="0"/>
+        </a:xfrm>
+      </p:grpSpPr>
+      <p:sp>
+        <p:nvSpPr>
+          <p:cNvPr id="131" name="Google Shape;131;g2a0db5a08c1_0_22:notes"/>
+          <p:cNvSpPr/>
+          <p:nvPr>
+            <p:ph idx="2" type="sldImg"/>
+          </p:nvPr>
+        </p:nvSpPr>
+        <p:spPr>
+          <a:xfrm>
+            <a:off x="381300" y="685800"/>
+            <a:ext cx="6096000" cy="3429000"/>
+          </a:xfrm>
+          <a:custGeom>
+            <a:rect b="b" l="l" r="r" t="t"/>
+            <a:pathLst>
+              <a:path extrusionOk="0" h="120000" w="120000">
+                <a:moveTo>
+                  <a:pt x="0" y="0"/>
+                </a:moveTo>
+                <a:lnTo>
+                  <a:pt x="120000" y="0"/>
+                </a:lnTo>
+                <a:lnTo>
+                  <a:pt x="120000" y="120000"/>
+                </a:lnTo>
+                <a:lnTo>
+                  <a:pt x="0" y="120000"/>
+                </a:lnTo>
+                <a:close/>
+              </a:path>
+            </a:pathLst>
+          </a:custGeom>
+        </p:spPr>
+      </p:sp>
+      <p:sp>
+        <p:nvSpPr>
+          <p:cNvPr id="132" name="Google Shape;132;g2a0db5a08c1_0_22:notes"/>
           <p:cNvSpPr txBox="1"/>
           <p:nvPr>
             <p:ph idx="1" type="body"/>
@@ -7517,49 +7617,9 @@
           <a:chExt cx="0" cy="0"/>
         </a:xfrm>
       </p:grpSpPr>
-      <p:sp>
-        <p:nvSpPr>
-          <p:cNvPr id="117" name="Google Shape;117;p22"/>
-          <p:cNvSpPr txBox="1"/>
-          <p:nvPr>
-            <p:ph type="title"/>
-          </p:nvPr>
-        </p:nvSpPr>
-        <p:spPr>
-          <a:xfrm>
-            <a:off x="478550" y="321300"/>
-            <a:ext cx="3535200" cy="1293000"/>
-          </a:xfrm>
-          <a:prstGeom prst="rect">
-            <a:avLst/>
-          </a:prstGeom>
-        </p:spPr>
-        <p:txBody>
-          <a:bodyPr anchorCtr="0" anchor="ctr" bIns="91425" lIns="91425" spcFirstLastPara="1" rIns="91425" wrap="square" tIns="91425">
-            <a:spAutoFit/>
-          </a:bodyPr>
-          <a:lstStyle/>
-          <a:p>
-            <a:pPr indent="0" lvl="0" marL="0" rtl="0" algn="l">
-              <a:spcBef>
-                <a:spcPts val="0"/>
-              </a:spcBef>
-              <a:spcAft>
-                <a:spcPts val="0"/>
-              </a:spcAft>
-              <a:buNone/>
-            </a:pPr>
-            <a:r>
-              <a:rPr lang="es" sz="1800"/>
-              <a:t>To manage our frontend context we use providers, which are functions that pass data to the different components of our app.</a:t>
-            </a:r>
-            <a:endParaRPr sz="1800"/>
-          </a:p>
-        </p:txBody>
-      </p:sp>
       <p:pic>
         <p:nvPicPr>
-          <p:cNvPr id="118" name="Google Shape;118;p22"/>
+          <p:cNvPr id="117" name="Google Shape;117;p22"/>
           <p:cNvPicPr preferRelativeResize="0"/>
           <p:nvPr/>
         </p:nvPicPr>
@@ -7573,8 +7633,8 @@
         </p:blipFill>
         <p:spPr>
           <a:xfrm>
-            <a:off x="1552525" y="1790150"/>
-            <a:ext cx="7133957" cy="3019351"/>
+            <a:off x="422275" y="865213"/>
+            <a:ext cx="8299451" cy="3413075"/>
           </a:xfrm>
           <a:prstGeom prst="rect">
             <a:avLst/>
@@ -7598,7 +7658,7 @@
   <p:cSld>
     <p:spTree>
       <p:nvGrpSpPr>
-        <p:cNvPr id="122" name="Shape 122"/>
+        <p:cNvPr id="121" name="Shape 121"/>
         <p:cNvGrpSpPr/>
         <p:nvPr/>
       </p:nvGrpSpPr>
@@ -7612,7 +7672,7 @@
       </p:grpSpPr>
       <p:sp>
         <p:nvSpPr>
-          <p:cNvPr id="123" name="Google Shape;123;p23"/>
+          <p:cNvPr id="122" name="Google Shape;122;p23"/>
           <p:cNvSpPr txBox="1"/>
           <p:nvPr>
             <p:ph type="title"/>
@@ -7620,8 +7680,8 @@
         </p:nvSpPr>
         <p:spPr>
           <a:xfrm>
-            <a:off x="490250" y="526350"/>
-            <a:ext cx="5604000" cy="461700"/>
+            <a:off x="478550" y="321300"/>
+            <a:ext cx="3535200" cy="1293000"/>
           </a:xfrm>
           <a:prstGeom prst="rect">
             <a:avLst/>
@@ -7644,7 +7704,7 @@
             </a:pPr>
             <a:r>
               <a:rPr lang="es" sz="1800"/>
-              <a:t>Finally we just need to secure our routes</a:t>
+              <a:t>To manage our frontend context we use providers, which are functions that pass data to the different components of our app.</a:t>
             </a:r>
             <a:endParaRPr sz="1800"/>
           </a:p>
@@ -7652,7 +7712,7 @@
       </p:sp>
       <p:pic>
         <p:nvPicPr>
-          <p:cNvPr id="124" name="Google Shape;124;p23"/>
+          <p:cNvPr id="123" name="Google Shape;123;p23"/>
           <p:cNvPicPr preferRelativeResize="0"/>
           <p:nvPr/>
         </p:nvPicPr>
@@ -7666,8 +7726,8 @@
         </p:blipFill>
         <p:spPr>
           <a:xfrm>
-            <a:off x="579188" y="1818450"/>
-            <a:ext cx="7985624" cy="1506600"/>
+            <a:off x="1552525" y="1790150"/>
+            <a:ext cx="7133957" cy="3019351"/>
           </a:xfrm>
           <a:prstGeom prst="rect">
             <a:avLst/>
@@ -7691,7 +7751,7 @@
   <p:cSld>
     <p:spTree>
       <p:nvGrpSpPr>
-        <p:cNvPr id="128" name="Shape 128"/>
+        <p:cNvPr id="127" name="Shape 127"/>
         <p:cNvGrpSpPr/>
         <p:nvPr/>
       </p:nvGrpSpPr>
@@ -7703,6 +7763,46 @@
           <a:chExt cx="0" cy="0"/>
         </a:xfrm>
       </p:grpSpPr>
+      <p:sp>
+        <p:nvSpPr>
+          <p:cNvPr id="128" name="Google Shape;128;p24"/>
+          <p:cNvSpPr txBox="1"/>
+          <p:nvPr>
+            <p:ph type="title"/>
+          </p:nvPr>
+        </p:nvSpPr>
+        <p:spPr>
+          <a:xfrm>
+            <a:off x="490250" y="526350"/>
+            <a:ext cx="5604000" cy="461700"/>
+          </a:xfrm>
+          <a:prstGeom prst="rect">
+            <a:avLst/>
+          </a:prstGeom>
+        </p:spPr>
+        <p:txBody>
+          <a:bodyPr anchorCtr="0" anchor="ctr" bIns="91425" lIns="91425" spcFirstLastPara="1" rIns="91425" wrap="square" tIns="91425">
+            <a:spAutoFit/>
+          </a:bodyPr>
+          <a:lstStyle/>
+          <a:p>
+            <a:pPr indent="0" lvl="0" marL="0" rtl="0" algn="l">
+              <a:spcBef>
+                <a:spcPts val="0"/>
+              </a:spcBef>
+              <a:spcAft>
+                <a:spcPts val="0"/>
+              </a:spcAft>
+              <a:buNone/>
+            </a:pPr>
+            <a:r>
+              <a:rPr lang="es" sz="1800"/>
+              <a:t>Finally we just need to secure our routes</a:t>
+            </a:r>
+            <a:endParaRPr sz="1800"/>
+          </a:p>
+        </p:txBody>
+      </p:sp>
       <p:pic>
         <p:nvPicPr>
           <p:cNvPr id="129" name="Google Shape;129;p24"/>
@@ -7719,8 +7819,8 @@
         </p:blipFill>
         <p:spPr>
           <a:xfrm>
-            <a:off x="66500" y="4090975"/>
-            <a:ext cx="1129575" cy="978100"/>
+            <a:off x="579188" y="1818450"/>
+            <a:ext cx="7985624" cy="1506600"/>
           </a:xfrm>
           <a:prstGeom prst="rect">
             <a:avLst/>
@@ -7731,9 +7831,62 @@
           </a:ln>
         </p:spPr>
       </p:pic>
+    </p:spTree>
+  </p:cSld>
+  <p:clrMapOvr>
+    <a:masterClrMapping/>
+  </p:clrMapOvr>
+</p:sld>
+</file>
+
+<file path=ppt/slides/slide13.xml><?xml version="1.0" encoding="utf-8"?>
+<p:sld xmlns:a="http://schemas.openxmlformats.org/drawingml/2006/main" xmlns:r="http://schemas.openxmlformats.org/officeDocument/2006/relationships" xmlns:mc="http://schemas.openxmlformats.org/markup-compatibility/2006" xmlns:mv="urn:schemas-microsoft-com:mac:vml" xmlns:p="http://schemas.openxmlformats.org/presentationml/2006/main" xmlns:c="http://schemas.openxmlformats.org/drawingml/2006/chart" xmlns:dgm="http://schemas.openxmlformats.org/drawingml/2006/diagram" xmlns:o="urn:schemas-microsoft-com:office:office" xmlns:v="urn:schemas-microsoft-com:vml" xmlns:pvml="urn:schemas-microsoft-com:office:powerpoint" xmlns:com="http://schemas.openxmlformats.org/drawingml/2006/compatibility" xmlns:p14="http://schemas.microsoft.com/office/powerpoint/2010/main" xmlns:p15="http://schemas.microsoft.com/office/powerpoint/2012/main" xmlns:ahyp="http://schemas.microsoft.com/office/drawing/2018/hyperlinkcolor">
+  <p:cSld>
+    <p:spTree>
+      <p:nvGrpSpPr>
+        <p:cNvPr id="133" name="Shape 133"/>
+        <p:cNvGrpSpPr/>
+        <p:nvPr/>
+      </p:nvGrpSpPr>
+      <p:grpSpPr>
+        <a:xfrm>
+          <a:off x="0" y="0"/>
+          <a:ext cx="0" cy="0"/>
+          <a:chOff x="0" y="0"/>
+          <a:chExt cx="0" cy="0"/>
+        </a:xfrm>
+      </p:grpSpPr>
       <p:pic>
         <p:nvPicPr>
-          <p:cNvPr id="130" name="Google Shape;130;p24"/>
+          <p:cNvPr id="134" name="Google Shape;134;p25"/>
+          <p:cNvPicPr preferRelativeResize="0"/>
+          <p:nvPr/>
+        </p:nvPicPr>
+        <p:blipFill>
+          <a:blip r:embed="rId3">
+            <a:alphaModFix/>
+          </a:blip>
+          <a:stretch>
+            <a:fillRect/>
+          </a:stretch>
+        </p:blipFill>
+        <p:spPr>
+          <a:xfrm>
+            <a:off x="66500" y="4090975"/>
+            <a:ext cx="1129575" cy="978100"/>
+          </a:xfrm>
+          <a:prstGeom prst="rect">
+            <a:avLst/>
+          </a:prstGeom>
+          <a:noFill/>
+          <a:ln>
+            <a:noFill/>
+          </a:ln>
+        </p:spPr>
+      </p:pic>
+      <p:pic>
+        <p:nvPicPr>
+          <p:cNvPr id="135" name="Google Shape;135;p25"/>
           <p:cNvPicPr preferRelativeResize="0"/>
           <p:nvPr/>
         </p:nvPicPr>
@@ -7761,7 +7914,7 @@
       </p:pic>
       <p:pic>
         <p:nvPicPr>
-          <p:cNvPr id="131" name="Google Shape;131;p24"/>
+          <p:cNvPr id="136" name="Google Shape;136;p25"/>
           <p:cNvPicPr preferRelativeResize="0"/>
           <p:nvPr/>
         </p:nvPicPr>
@@ -7789,7 +7942,7 @@
       </p:pic>
       <p:pic>
         <p:nvPicPr>
-          <p:cNvPr id="132" name="Google Shape;132;p24"/>
+          <p:cNvPr id="137" name="Google Shape;137;p25"/>
           <p:cNvPicPr preferRelativeResize="0"/>
           <p:nvPr/>
         </p:nvPicPr>
